--- a/Teamwork OS/MySlides.pptx
+++ b/Teamwork OS/MySlides.pptx
@@ -5,12 +5,12 @@
     <p:sldMasterId id="2147483660" r:id="rId1"/>
   </p:sldMasterIdLst>
   <p:sldIdLst>
-    <p:sldId id="256" r:id="rId2"/>
-    <p:sldId id="257" r:id="rId3"/>
-    <p:sldId id="258" r:id="rId4"/>
-    <p:sldId id="259" r:id="rId5"/>
-    <p:sldId id="260" r:id="rId6"/>
-    <p:sldId id="261" r:id="rId7"/>
+    <p:sldId id="257" r:id="rId2"/>
+    <p:sldId id="258" r:id="rId3"/>
+    <p:sldId id="259" r:id="rId4"/>
+    <p:sldId id="260" r:id="rId5"/>
+    <p:sldId id="261" r:id="rId6"/>
+    <p:sldId id="262" r:id="rId7"/>
   </p:sldIdLst>
   <p:sldSz cx="12192000" cy="6858000"/>
   <p:notesSz cx="6858000" cy="9144000"/>
@@ -5841,7 +5841,7 @@
             <a:spLocks noGrp="1"/>
           </p:cNvSpPr>
           <p:nvPr>
-            <p:ph type="ctrTitle"/>
+            <p:ph type="title"/>
           </p:nvPr>
         </p:nvSpPr>
         <p:spPr/>
@@ -5850,61 +5850,156 @@
           <a:lstStyle/>
           <a:p>
             <a:r>
+              <a:rPr lang="en-US" dirty="0"/>
+              <a:t>FIRMS AND SOLUTIONS: VMware</a:t>
+            </a:r>
+          </a:p>
+        </p:txBody>
+      </p:sp>
+      <p:sp>
+        <p:nvSpPr>
+          <p:cNvPr id="3" name="Marcador de contenido 2"/>
+          <p:cNvSpPr>
+            <a:spLocks noGrp="1"/>
+          </p:cNvSpPr>
+          <p:nvPr>
+            <p:ph idx="1"/>
+          </p:nvPr>
+        </p:nvSpPr>
+        <p:spPr/>
+        <p:txBody>
+          <a:bodyPr/>
+          <a:lstStyle/>
+          <a:p>
+            <a:r>
+              <a:rPr lang="en-US" dirty="0"/>
+              <a:t> One of the first companies to add virtualization </a:t>
+            </a:r>
+          </a:p>
+          <a:p>
+            <a:r>
+              <a:rPr lang="en-US" dirty="0"/>
+              <a:t>Multiple fields like application and server virtualization are their area of expertise</a:t>
+            </a:r>
+          </a:p>
+          <a:p>
+            <a:r>
+              <a:rPr lang="en-US" dirty="0"/>
+              <a:t>Since 2005 provided for free development tools for virtualization</a:t>
+            </a:r>
+          </a:p>
+          <a:p>
+            <a:r>
+              <a:rPr lang="en-US" dirty="0"/>
+              <a:t>Free hypervisors to control their server</a:t>
+            </a:r>
+          </a:p>
+          <a:p>
+            <a:r>
+              <a:rPr lang="en-US" dirty="0"/>
+              <a:t>Products like Virtual San to datacenters and </a:t>
+            </a:r>
+            <a:r>
               <a:rPr lang="en-US" dirty="0" err="1"/>
-              <a:t>Añadir</a:t>
+              <a:t>vCLoud</a:t>
             </a:r>
             <a:r>
               <a:rPr lang="en-US" dirty="0"/>
               <a:t> </a:t>
             </a:r>
-            <a:r>
-              <a:rPr lang="en-US" dirty="0" err="1"/>
-              <a:t>cronometro</a:t>
-            </a:r>
-            <a:r>
-              <a:rPr lang="en-US" dirty="0"/>
-              <a:t>	</a:t>
-            </a:r>
-          </a:p>
-        </p:txBody>
-      </p:sp>
-      <p:sp>
-        <p:nvSpPr>
-          <p:cNvPr id="3" name="Subtítulo 2"/>
-          <p:cNvSpPr>
-            <a:spLocks noGrp="1"/>
-          </p:cNvSpPr>
-          <p:nvPr>
-            <p:ph type="subTitle" idx="1"/>
-          </p:nvPr>
-        </p:nvSpPr>
-        <p:spPr/>
-        <p:txBody>
-          <a:bodyPr/>
-          <a:lstStyle/>
-          <a:p>
-            <a:endParaRPr lang="en-US" dirty="0"/>
-          </a:p>
-        </p:txBody>
-      </p:sp>
+          </a:p>
+        </p:txBody>
+      </p:sp>
+      <p:sp>
+        <p:nvSpPr>
+          <p:cNvPr id="5" name="AutoShape 2" descr="Resultado de imagen de vmware logo 2017"/>
+          <p:cNvSpPr>
+            <a:spLocks noChangeAspect="1" noChangeArrowheads="1"/>
+          </p:cNvSpPr>
+          <p:nvPr/>
+        </p:nvSpPr>
+        <p:spPr bwMode="auto">
+          <a:xfrm>
+            <a:off x="155575" y="-144463"/>
+            <a:ext cx="304800" cy="304801"/>
+          </a:xfrm>
+          <a:prstGeom prst="rect">
+            <a:avLst/>
+          </a:prstGeom>
+          <a:noFill/>
+          <a:extLst>
+            <a:ext uri="{909E8E84-426E-40DD-AFC4-6F175D3DCCD1}">
+              <a14:hiddenFill xmlns:a14="http://schemas.microsoft.com/office/drawing/2010/main">
+                <a:solidFill>
+                  <a:srgbClr val="FFFFFF"/>
+                </a:solidFill>
+              </a14:hiddenFill>
+            </a:ext>
+          </a:extLst>
+        </p:spPr>
+        <p:txBody>
+          <a:bodyPr vert="horz" wrap="square" lIns="91440" tIns="45720" rIns="91440" bIns="45720" numCol="1" anchor="t" anchorCtr="0" compatLnSpc="1">
+            <a:prstTxWarp prst="textNoShape">
+              <a:avLst/>
+            </a:prstTxWarp>
+          </a:bodyPr>
+          <a:lstStyle/>
+          <a:p>
+            <a:endParaRPr lang="es-ES"/>
+          </a:p>
+        </p:txBody>
+      </p:sp>
+      <p:pic>
+        <p:nvPicPr>
+          <p:cNvPr id="1028" name="Picture 4" descr="Resultado de imagen de vmware logo 2017"/>
+          <p:cNvPicPr>
+            <a:picLocks noChangeAspect="1" noChangeArrowheads="1"/>
+          </p:cNvPicPr>
+          <p:nvPr/>
+        </p:nvPicPr>
+        <p:blipFill>
+          <a:blip r:embed="rId2">
+            <a:extLst>
+              <a:ext uri="{28A0092B-C50C-407E-A947-70E740481C1C}">
+                <a14:useLocalDpi xmlns:a14="http://schemas.microsoft.com/office/drawing/2010/main" val="0"/>
+              </a:ext>
+            </a:extLst>
+          </a:blip>
+          <a:srcRect/>
+          <a:stretch>
+            <a:fillRect/>
+          </a:stretch>
+        </p:blipFill>
+        <p:spPr bwMode="auto">
+          <a:xfrm>
+            <a:off x="1473638" y="2974554"/>
+            <a:ext cx="7004060" cy="4615963"/>
+          </a:xfrm>
+          <a:prstGeom prst="rect">
+            <a:avLst/>
+          </a:prstGeom>
+          <a:noFill/>
+          <a:extLst>
+            <a:ext uri="{909E8E84-426E-40DD-AFC4-6F175D3DCCD1}">
+              <a14:hiddenFill xmlns:a14="http://schemas.microsoft.com/office/drawing/2010/main">
+                <a:solidFill>
+                  <a:srgbClr val="FFFFFF"/>
+                </a:solidFill>
+              </a14:hiddenFill>
+            </a:ext>
+          </a:extLst>
+        </p:spPr>
+      </p:pic>
     </p:spTree>
     <p:extLst>
       <p:ext uri="{BB962C8B-B14F-4D97-AF65-F5344CB8AC3E}">
-        <p14:creationId xmlns:p14="http://schemas.microsoft.com/office/powerpoint/2010/main" val="169558933"/>
+        <p14:creationId xmlns:p14="http://schemas.microsoft.com/office/powerpoint/2010/main" val="3561950085"/>
       </p:ext>
     </p:extLst>
   </p:cSld>
   <p:clrMapOvr>
     <a:masterClrMapping/>
   </p:clrMapOvr>
-  <mc:AlternateContent xmlns:mc="http://schemas.openxmlformats.org/markup-compatibility/2006">
-    <mc:Choice xmlns:p14="http://schemas.microsoft.com/office/powerpoint/2010/main" Requires="p14">
-      <p:transition spd="slow" p14:dur="2000" advTm="20000"/>
-    </mc:Choice>
-    <mc:Fallback>
-      <p:transition spd="slow" advTm="20000"/>
-    </mc:Fallback>
-  </mc:AlternateContent>
 </p:sld>
 </file>
 
@@ -5942,8 +6037,12 @@
           <a:p>
             <a:r>
               <a:rPr lang="en-US" dirty="0"/>
-              <a:t>FIRMS AND SOLUTIONS: VMware</a:t>
-            </a:r>
+              <a:t>FIRMS AND SOLUTIONS: Microsoft</a:t>
+            </a:r>
+            <a:br>
+              <a:rPr lang="en-US" dirty="0"/>
+            </a:br>
+            <a:endParaRPr lang="en-US" dirty="0"/>
           </a:p>
         </p:txBody>
       </p:sp>
@@ -5964,65 +6063,118 @@
           <a:p>
             <a:r>
               <a:rPr lang="en-US" dirty="0"/>
-              <a:t> One of the first companies to add virtualization </a:t>
+              <a:t>It is one of the biggest it companies </a:t>
             </a:r>
           </a:p>
           <a:p>
             <a:r>
               <a:rPr lang="en-US" dirty="0"/>
-              <a:t>Multiple fields like application and server virtualization are their area of expertise</a:t>
+              <a:t>Focused on windows server and Azure</a:t>
             </a:r>
           </a:p>
           <a:p>
             <a:r>
               <a:rPr lang="en-US" dirty="0"/>
-              <a:t>Since 2005 provided for free development tools for virtualization</a:t>
+              <a:t>Their hypervisor is called Hyper-V </a:t>
             </a:r>
           </a:p>
           <a:p>
             <a:r>
               <a:rPr lang="en-US" dirty="0"/>
-              <a:t>Free hypervisors to control their server</a:t>
-            </a:r>
-          </a:p>
-          <a:p>
-            <a:r>
-              <a:rPr lang="en-US" dirty="0"/>
-              <a:t>Products like Virtual San to datacenters and </a:t>
-            </a:r>
-            <a:r>
-              <a:rPr lang="en-US" dirty="0" err="1"/>
-              <a:t>vCLoud</a:t>
-            </a:r>
-            <a:r>
-              <a:rPr lang="en-US" dirty="0"/>
-              <a:t> </a:t>
-            </a:r>
-          </a:p>
-          <a:p>
-            <a:r>
-              <a:rPr lang="en-US" dirty="0" err="1"/>
-              <a:t>Foto</a:t>
-            </a:r>
-            <a:r>
-              <a:rPr lang="en-US" dirty="0"/>
-              <a:t> de </a:t>
-            </a:r>
-            <a:r>
-              <a:rPr lang="en-US" dirty="0" err="1"/>
-              <a:t>vmware</a:t>
-            </a:r>
-            <a:r>
-              <a:rPr lang="en-US" dirty="0"/>
-              <a:t> logo</a:t>
-            </a:r>
-          </a:p>
-        </p:txBody>
-      </p:sp>
+              <a:t>Servers are somehow compatible with windows</a:t>
+            </a:r>
+          </a:p>
+          <a:p>
+            <a:endParaRPr lang="en-US" dirty="0"/>
+          </a:p>
+        </p:txBody>
+      </p:sp>
+      <p:pic>
+        <p:nvPicPr>
+          <p:cNvPr id="2050" name="Picture 2" descr="Resultado de imagen de azure logo"/>
+          <p:cNvPicPr>
+            <a:picLocks noChangeAspect="1" noChangeArrowheads="1"/>
+          </p:cNvPicPr>
+          <p:nvPr/>
+        </p:nvPicPr>
+        <p:blipFill>
+          <a:blip r:embed="rId2">
+            <a:extLst>
+              <a:ext uri="{28A0092B-C50C-407E-A947-70E740481C1C}">
+                <a14:useLocalDpi xmlns:a14="http://schemas.microsoft.com/office/drawing/2010/main" val="0"/>
+              </a:ext>
+            </a:extLst>
+          </a:blip>
+          <a:srcRect/>
+          <a:stretch>
+            <a:fillRect/>
+          </a:stretch>
+        </p:blipFill>
+        <p:spPr bwMode="auto">
+          <a:xfrm>
+            <a:off x="1190745" y="4069225"/>
+            <a:ext cx="1905000" cy="1905000"/>
+          </a:xfrm>
+          <a:prstGeom prst="rect">
+            <a:avLst/>
+          </a:prstGeom>
+          <a:noFill/>
+          <a:extLst>
+            <a:ext uri="{909E8E84-426E-40DD-AFC4-6F175D3DCCD1}">
+              <a14:hiddenFill xmlns:a14="http://schemas.microsoft.com/office/drawing/2010/main">
+                <a:solidFill>
+                  <a:srgbClr val="FFFFFF"/>
+                </a:solidFill>
+              </a14:hiddenFill>
+            </a:ext>
+          </a:extLst>
+        </p:spPr>
+      </p:pic>
+      <p:pic>
+        <p:nvPicPr>
+          <p:cNvPr id="2052" name="Picture 4" descr="Resultado de imagen de hyper v logo"/>
+          <p:cNvPicPr>
+            <a:picLocks noChangeAspect="1" noChangeArrowheads="1"/>
+          </p:cNvPicPr>
+          <p:nvPr/>
+        </p:nvPicPr>
+        <p:blipFill>
+          <a:blip r:embed="rId3">
+            <a:extLst>
+              <a:ext uri="{28A0092B-C50C-407E-A947-70E740481C1C}">
+                <a14:useLocalDpi xmlns:a14="http://schemas.microsoft.com/office/drawing/2010/main" val="0"/>
+              </a:ext>
+            </a:extLst>
+          </a:blip>
+          <a:srcRect/>
+          <a:stretch>
+            <a:fillRect/>
+          </a:stretch>
+        </p:blipFill>
+        <p:spPr bwMode="auto">
+          <a:xfrm>
+            <a:off x="4643913" y="4235912"/>
+            <a:ext cx="5143500" cy="1571626"/>
+          </a:xfrm>
+          <a:prstGeom prst="rect">
+            <a:avLst/>
+          </a:prstGeom>
+          <a:noFill/>
+          <a:extLst>
+            <a:ext uri="{909E8E84-426E-40DD-AFC4-6F175D3DCCD1}">
+              <a14:hiddenFill xmlns:a14="http://schemas.microsoft.com/office/drawing/2010/main">
+                <a:solidFill>
+                  <a:srgbClr val="FFFFFF"/>
+                </a:solidFill>
+              </a14:hiddenFill>
+            </a:ext>
+          </a:extLst>
+        </p:spPr>
+      </p:pic>
     </p:spTree>
     <p:extLst>
       <p:ext uri="{BB962C8B-B14F-4D97-AF65-F5344CB8AC3E}">
-        <p14:creationId xmlns:p14="http://schemas.microsoft.com/office/powerpoint/2010/main" val="3561950085"/>
+        <p14:creationId xmlns:p14="http://schemas.microsoft.com/office/powerpoint/2010/main" val="1205739283"/>
       </p:ext>
     </p:extLst>
   </p:cSld>
@@ -6066,7 +6218,7 @@
           <a:p>
             <a:r>
               <a:rPr lang="en-US" dirty="0"/>
-              <a:t>FIRMS AND SOLUTIONS: Microsoft</a:t>
+              <a:t>FIRMS AND SOLUTIONS: Citrix</a:t>
             </a:r>
             <a:br>
               <a:rPr lang="en-US" dirty="0"/>
@@ -6092,36 +6244,123 @@
           <a:p>
             <a:r>
               <a:rPr lang="en-US" dirty="0"/>
-              <a:t>It is one of the biggest it companies </a:t>
+              <a:t>One of the first developers on application virtualization </a:t>
             </a:r>
           </a:p>
           <a:p>
             <a:r>
               <a:rPr lang="en-US" dirty="0"/>
-              <a:t>Focused on windows server and Azure</a:t>
+              <a:t>Provides services for server, networking </a:t>
             </a:r>
           </a:p>
           <a:p>
             <a:r>
               <a:rPr lang="en-US" dirty="0"/>
-              <a:t>Their hypervisor is called Hyper-V </a:t>
+              <a:t>Nowadays owns Xen an open source software for virtualization services</a:t>
             </a:r>
           </a:p>
           <a:p>
             <a:r>
               <a:rPr lang="en-US" dirty="0"/>
-              <a:t>Servers are somehow compatible with windows</a:t>
-            </a:r>
-          </a:p>
-          <a:p>
-            <a:endParaRPr lang="en-US" dirty="0"/>
-          </a:p>
-        </p:txBody>
-      </p:sp>
+              <a:t>Provided some services like XenApp and </a:t>
+            </a:r>
+            <a:r>
+              <a:rPr lang="en-US" dirty="0" err="1"/>
+              <a:t>XenDesktop</a:t>
+            </a:r>
+            <a:r>
+              <a:rPr lang="en-US" dirty="0"/>
+              <a:t> that add some features to Xen 	</a:t>
+            </a:r>
+          </a:p>
+        </p:txBody>
+      </p:sp>
+      <p:pic>
+        <p:nvPicPr>
+          <p:cNvPr id="3074" name="Picture 2" descr="Resultado de imagen de citrix logo"/>
+          <p:cNvPicPr>
+            <a:picLocks noChangeAspect="1" noChangeArrowheads="1"/>
+          </p:cNvPicPr>
+          <p:nvPr/>
+        </p:nvPicPr>
+        <p:blipFill>
+          <a:blip r:embed="rId2">
+            <a:extLst>
+              <a:ext uri="{28A0092B-C50C-407E-A947-70E740481C1C}">
+                <a14:useLocalDpi xmlns:a14="http://schemas.microsoft.com/office/drawing/2010/main" val="0"/>
+              </a:ext>
+            </a:extLst>
+          </a:blip>
+          <a:srcRect/>
+          <a:stretch>
+            <a:fillRect/>
+          </a:stretch>
+        </p:blipFill>
+        <p:spPr bwMode="auto">
+          <a:xfrm>
+            <a:off x="677334" y="4269711"/>
+            <a:ext cx="4429125" cy="1771651"/>
+          </a:xfrm>
+          <a:prstGeom prst="rect">
+            <a:avLst/>
+          </a:prstGeom>
+          <a:noFill/>
+          <a:extLst>
+            <a:ext uri="{909E8E84-426E-40DD-AFC4-6F175D3DCCD1}">
+              <a14:hiddenFill xmlns:a14="http://schemas.microsoft.com/office/drawing/2010/main">
+                <a:solidFill>
+                  <a:srgbClr val="FFFFFF"/>
+                </a:solidFill>
+              </a14:hiddenFill>
+            </a:ext>
+          </a:extLst>
+        </p:spPr>
+      </p:pic>
+      <p:pic>
+        <p:nvPicPr>
+          <p:cNvPr id="3076" name="Picture 4" descr="Resultado de imagen de xen logo"/>
+          <p:cNvPicPr>
+            <a:picLocks noChangeAspect="1" noChangeArrowheads="1"/>
+          </p:cNvPicPr>
+          <p:nvPr/>
+        </p:nvPicPr>
+        <p:blipFill>
+          <a:blip r:embed="rId3" cstate="print">
+            <a:extLst>
+              <a:ext uri="{28A0092B-C50C-407E-A947-70E740481C1C}">
+                <a14:useLocalDpi xmlns:a14="http://schemas.microsoft.com/office/drawing/2010/main" val="0"/>
+              </a:ext>
+            </a:extLst>
+          </a:blip>
+          <a:srcRect/>
+          <a:stretch>
+            <a:fillRect/>
+          </a:stretch>
+        </p:blipFill>
+        <p:spPr bwMode="auto">
+          <a:xfrm>
+            <a:off x="5779319" y="3940489"/>
+            <a:ext cx="4557208" cy="2100873"/>
+          </a:xfrm>
+          <a:prstGeom prst="rect">
+            <a:avLst/>
+          </a:prstGeom>
+          <a:noFill/>
+          <a:extLst>
+            <a:ext uri="{909E8E84-426E-40DD-AFC4-6F175D3DCCD1}">
+              <a14:hiddenFill xmlns:a14="http://schemas.microsoft.com/office/drawing/2010/main">
+                <a:solidFill>
+                  <a:srgbClr val="FFFFFF"/>
+                </a:solidFill>
+              </a14:hiddenFill>
+            </a:ext>
+          </a:extLst>
+        </p:spPr>
+      </p:pic>
     </p:spTree>
     <p:extLst>
       <p:ext uri="{BB962C8B-B14F-4D97-AF65-F5344CB8AC3E}">
-        <p14:creationId xmlns:p14="http://schemas.microsoft.com/office/powerpoint/2010/main" val="1205739283"/>
+        <p14:creationId xmlns:p14="http://schemas.microsoft.com/office/powerpoint/2010/main" val="1296554617"/>
       </p:ext>
     </p:extLst>
   </p:cSld>
@@ -6165,7 +6404,7 @@
           <a:p>
             <a:r>
               <a:rPr lang="en-US" dirty="0"/>
-              <a:t>FIRMS AND SOLUTIONS: Citrix</a:t>
+              <a:t>FIRMS AND SOLUTIONS: Oracle</a:t>
             </a:r>
             <a:br>
               <a:rPr lang="en-US" dirty="0"/>
@@ -6191,47 +6430,103 @@
           <a:p>
             <a:r>
               <a:rPr lang="en-US" dirty="0"/>
-              <a:t>One of the first developers on application virtualization </a:t>
+              <a:t>Owns Java, which works on JVM a remarkable example of good use of a virtual machine</a:t>
             </a:r>
           </a:p>
           <a:p>
             <a:r>
               <a:rPr lang="en-US" dirty="0"/>
-              <a:t>Provides services for server, networking </a:t>
-            </a:r>
-          </a:p>
-          <a:p>
+              <a:t>Oracle </a:t>
+            </a:r>
+            <a:r>
+              <a:rPr lang="en-US" dirty="0" smtClean="0"/>
+              <a:t>provides </a:t>
+            </a:r>
             <a:r>
               <a:rPr lang="en-US" dirty="0"/>
-              <a:t>Nowadays owns Xen an open source software for virtualization services</a:t>
-            </a:r>
-          </a:p>
-          <a:p>
+              <a:t>some </a:t>
+            </a:r>
+            <a:r>
+              <a:rPr lang="en-US" dirty="0" smtClean="0"/>
+              <a:t>functionalities </a:t>
+            </a:r>
             <a:r>
               <a:rPr lang="en-US" dirty="0"/>
-              <a:t>Provided some services like XenApp and </a:t>
-            </a:r>
-            <a:r>
-              <a:rPr lang="en-US" dirty="0" err="1"/>
-              <a:t>XenDesktop</a:t>
-            </a:r>
+              <a:t>in case of Server and Desktop virtualization</a:t>
+            </a:r>
+          </a:p>
+          <a:p>
             <a:r>
               <a:rPr lang="en-US" dirty="0"/>
-              <a:t> that add some features to Xen </a:t>
+              <a:t>Owner of virtual box an important program to create virtual machines </a:t>
             </a:r>
           </a:p>
           <a:p>
             <a:r>
               <a:rPr lang="en-US" dirty="0"/>
-              <a:t>Logo	</a:t>
-            </a:r>
-          </a:p>
-        </p:txBody>
-      </p:sp>
+              <a:t>Virtual Box is widely used </a:t>
+            </a:r>
+            <a:r>
+              <a:rPr lang="en-US" dirty="0" smtClean="0"/>
+              <a:t>to access </a:t>
+            </a:r>
+            <a:r>
+              <a:rPr lang="en-US" dirty="0"/>
+              <a:t>different </a:t>
+            </a:r>
+            <a:r>
+              <a:rPr lang="en-US" dirty="0" smtClean="0"/>
+              <a:t>OSs</a:t>
+            </a:r>
+            <a:endParaRPr lang="en-US" dirty="0"/>
+          </a:p>
+        </p:txBody>
+      </p:sp>
+      <p:pic>
+        <p:nvPicPr>
+          <p:cNvPr id="4098" name="Picture 2" descr="Resultado de imagen de oracle logo"/>
+          <p:cNvPicPr>
+            <a:picLocks noChangeAspect="1" noChangeArrowheads="1"/>
+          </p:cNvPicPr>
+          <p:nvPr/>
+        </p:nvPicPr>
+        <p:blipFill>
+          <a:blip r:embed="rId2">
+            <a:extLst>
+              <a:ext uri="{28A0092B-C50C-407E-A947-70E740481C1C}">
+                <a14:useLocalDpi xmlns:a14="http://schemas.microsoft.com/office/drawing/2010/main" val="0"/>
+              </a:ext>
+            </a:extLst>
+          </a:blip>
+          <a:srcRect/>
+          <a:stretch>
+            <a:fillRect/>
+          </a:stretch>
+        </p:blipFill>
+        <p:spPr bwMode="auto">
+          <a:xfrm>
+            <a:off x="677334" y="4794416"/>
+            <a:ext cx="8781307" cy="1246946"/>
+          </a:xfrm>
+          <a:prstGeom prst="rect">
+            <a:avLst/>
+          </a:prstGeom>
+          <a:noFill/>
+          <a:extLst>
+            <a:ext uri="{909E8E84-426E-40DD-AFC4-6F175D3DCCD1}">
+              <a14:hiddenFill xmlns:a14="http://schemas.microsoft.com/office/drawing/2010/main">
+                <a:solidFill>
+                  <a:srgbClr val="FFFFFF"/>
+                </a:solidFill>
+              </a14:hiddenFill>
+            </a:ext>
+          </a:extLst>
+        </p:spPr>
+      </p:pic>
     </p:spTree>
     <p:extLst>
       <p:ext uri="{BB962C8B-B14F-4D97-AF65-F5344CB8AC3E}">
-        <p14:creationId xmlns:p14="http://schemas.microsoft.com/office/powerpoint/2010/main" val="1296554617"/>
+        <p14:creationId xmlns:p14="http://schemas.microsoft.com/office/powerpoint/2010/main" val="3236306150"/>
       </p:ext>
     </p:extLst>
   </p:cSld>
@@ -6275,77 +6570,160 @@
           <a:p>
             <a:r>
               <a:rPr lang="en-US" dirty="0"/>
-              <a:t>FIRMS AND SOLUTIONS: Oracle</a:t>
-            </a:r>
-            <a:br>
+              <a:t>FIRMS AND SOLUTIONS: Google</a:t>
+            </a:r>
+          </a:p>
+        </p:txBody>
+      </p:sp>
+      <p:sp>
+        <p:nvSpPr>
+          <p:cNvPr id="3" name="Marcador de contenido 2"/>
+          <p:cNvSpPr>
+            <a:spLocks noGrp="1"/>
+          </p:cNvSpPr>
+          <p:nvPr>
+            <p:ph idx="1"/>
+          </p:nvPr>
+        </p:nvSpPr>
+        <p:spPr/>
+        <p:txBody>
+          <a:bodyPr/>
+          <a:lstStyle/>
+          <a:p>
+            <a:r>
               <a:rPr lang="en-US" dirty="0"/>
-            </a:br>
+              <a:t>With all the amount of servers google uses virtualization is a basic utility for such a big company</a:t>
+            </a:r>
+          </a:p>
+          <a:p>
+            <a:r>
+              <a:rPr lang="en-US" dirty="0"/>
+              <a:t>They use Xen adapting it to their own necessities </a:t>
+            </a:r>
+          </a:p>
+          <a:p>
+            <a:r>
+              <a:rPr lang="en-US" dirty="0"/>
+              <a:t>They created </a:t>
+            </a:r>
+            <a:r>
+              <a:rPr lang="en-US" dirty="0" err="1"/>
+              <a:t>Ganeti</a:t>
+            </a:r>
+            <a:r>
+              <a:rPr lang="en-US" dirty="0"/>
+              <a:t> a cluster solution that manages </a:t>
+            </a:r>
+            <a:r>
+              <a:rPr lang="en-US" dirty="0" err="1"/>
+              <a:t>xen</a:t>
+            </a:r>
+            <a:r>
+              <a:rPr lang="en-US" dirty="0"/>
+              <a:t> </a:t>
+            </a:r>
+            <a:r>
+              <a:rPr lang="en-US" dirty="0" err="1"/>
+              <a:t>hyoervisors</a:t>
+            </a:r>
+            <a:r>
+              <a:rPr lang="en-US" dirty="0"/>
+              <a:t> to make administrator easier to create </a:t>
+            </a:r>
+            <a:r>
+              <a:rPr lang="en-US" dirty="0" smtClean="0"/>
+              <a:t>clusters</a:t>
+            </a:r>
             <a:endParaRPr lang="en-US" dirty="0"/>
           </a:p>
         </p:txBody>
       </p:sp>
-      <p:sp>
-        <p:nvSpPr>
-          <p:cNvPr id="3" name="Marcador de contenido 2"/>
-          <p:cNvSpPr>
-            <a:spLocks noGrp="1"/>
-          </p:cNvSpPr>
-          <p:nvPr>
-            <p:ph idx="1"/>
-          </p:nvPr>
-        </p:nvSpPr>
-        <p:spPr/>
-        <p:txBody>
-          <a:bodyPr/>
-          <a:lstStyle/>
-          <a:p>
-            <a:r>
-              <a:rPr lang="en-US" dirty="0"/>
-              <a:t>Owns Java, which works on JVM a remarkable example of good use of a virtual machine</a:t>
-            </a:r>
-          </a:p>
-          <a:p>
-            <a:r>
-              <a:rPr lang="en-US" dirty="0"/>
-              <a:t>Oracle provide some </a:t>
-            </a:r>
-            <a:r>
-              <a:rPr lang="en-US" dirty="0" err="1"/>
-              <a:t>funtionlities</a:t>
-            </a:r>
-            <a:r>
-              <a:rPr lang="en-US" dirty="0"/>
-              <a:t> in case of Server and Desktop virtualization</a:t>
-            </a:r>
-          </a:p>
-          <a:p>
-            <a:r>
-              <a:rPr lang="en-US" dirty="0"/>
-              <a:t>Owner of virtual box an important program to create virtual machines </a:t>
-            </a:r>
-          </a:p>
-          <a:p>
-            <a:r>
-              <a:rPr lang="en-US" dirty="0"/>
-              <a:t>Virtual Box is widely used to get access to different OSs than the one you are working on</a:t>
-            </a:r>
-          </a:p>
-          <a:p>
-            <a:r>
-              <a:rPr lang="en-US" dirty="0" err="1"/>
-              <a:t>Foto</a:t>
-            </a:r>
-            <a:r>
-              <a:rPr lang="en-US" dirty="0"/>
-              <a:t> de la O y de java</a:t>
-            </a:r>
-          </a:p>
-        </p:txBody>
-      </p:sp>
+      <p:pic>
+        <p:nvPicPr>
+          <p:cNvPr id="1026" name="Picture 2" descr="Resultado de imagen de ganeti logo"/>
+          <p:cNvPicPr>
+            <a:picLocks noChangeAspect="1" noChangeArrowheads="1"/>
+          </p:cNvPicPr>
+          <p:nvPr/>
+        </p:nvPicPr>
+        <p:blipFill>
+          <a:blip r:embed="rId2" cstate="print">
+            <a:extLst>
+              <a:ext uri="{28A0092B-C50C-407E-A947-70E740481C1C}">
+                <a14:useLocalDpi xmlns:a14="http://schemas.microsoft.com/office/drawing/2010/main" val="0"/>
+              </a:ext>
+            </a:extLst>
+          </a:blip>
+          <a:srcRect/>
+          <a:stretch>
+            <a:fillRect/>
+          </a:stretch>
+        </p:blipFill>
+        <p:spPr bwMode="auto">
+          <a:xfrm>
+            <a:off x="595088" y="4622296"/>
+            <a:ext cx="4208266" cy="1419066"/>
+          </a:xfrm>
+          <a:prstGeom prst="rect">
+            <a:avLst/>
+          </a:prstGeom>
+          <a:noFill/>
+          <a:extLst>
+            <a:ext uri="{909E8E84-426E-40DD-AFC4-6F175D3DCCD1}">
+              <a14:hiddenFill xmlns:a14="http://schemas.microsoft.com/office/drawing/2010/main">
+                <a:solidFill>
+                  <a:srgbClr val="FFFFFF"/>
+                </a:solidFill>
+              </a14:hiddenFill>
+            </a:ext>
+          </a:extLst>
+        </p:spPr>
+      </p:pic>
+      <p:pic>
+        <p:nvPicPr>
+          <p:cNvPr id="1028" name="Picture 4" descr="Resultado de imagen de google logo"/>
+          <p:cNvPicPr>
+            <a:picLocks noChangeAspect="1" noChangeArrowheads="1"/>
+          </p:cNvPicPr>
+          <p:nvPr/>
+        </p:nvPicPr>
+        <p:blipFill>
+          <a:blip r:embed="rId3" cstate="print">
+            <a:extLst>
+              <a:ext uri="{28A0092B-C50C-407E-A947-70E740481C1C}">
+                <a14:useLocalDpi xmlns:a14="http://schemas.microsoft.com/office/drawing/2010/main" val="0"/>
+              </a:ext>
+            </a:extLst>
+          </a:blip>
+          <a:srcRect/>
+          <a:stretch>
+            <a:fillRect/>
+          </a:stretch>
+        </p:blipFill>
+        <p:spPr bwMode="auto">
+          <a:xfrm>
+            <a:off x="5464367" y="4391594"/>
+            <a:ext cx="5563518" cy="1880469"/>
+          </a:xfrm>
+          <a:prstGeom prst="rect">
+            <a:avLst/>
+          </a:prstGeom>
+          <a:noFill/>
+          <a:extLst>
+            <a:ext uri="{909E8E84-426E-40DD-AFC4-6F175D3DCCD1}">
+              <a14:hiddenFill xmlns:a14="http://schemas.microsoft.com/office/drawing/2010/main">
+                <a:solidFill>
+                  <a:srgbClr val="FFFFFF"/>
+                </a:solidFill>
+              </a14:hiddenFill>
+            </a:ext>
+          </a:extLst>
+        </p:spPr>
+      </p:pic>
     </p:spTree>
     <p:extLst>
       <p:ext uri="{BB962C8B-B14F-4D97-AF65-F5344CB8AC3E}">
-        <p14:creationId xmlns:p14="http://schemas.microsoft.com/office/powerpoint/2010/main" val="3236306150"/>
+        <p14:creationId xmlns:p14="http://schemas.microsoft.com/office/powerpoint/2010/main" val="2325977518"/>
       </p:ext>
     </p:extLst>
   </p:cSld>
@@ -6387,10 +6765,7 @@
           <a:bodyPr/>
           <a:lstStyle/>
           <a:p>
-            <a:r>
-              <a:rPr lang="en-US" dirty="0"/>
-              <a:t>FIRMS AND SOLUTIONS: Google</a:t>
-            </a:r>
+            <a:endParaRPr lang="es-ES" dirty="0"/>
           </a:p>
         </p:txBody>
       </p:sp>
@@ -6409,67 +6784,14 @@
           <a:bodyPr/>
           <a:lstStyle/>
           <a:p>
-            <a:r>
-              <a:rPr lang="en-US" dirty="0"/>
-              <a:t>With all the amount of servers google uses virtualization is a basic utility for such a big company</a:t>
-            </a:r>
-          </a:p>
-          <a:p>
-            <a:r>
-              <a:rPr lang="en-US" dirty="0"/>
-              <a:t>They use Xen adapting it to their own necessities </a:t>
-            </a:r>
-          </a:p>
-          <a:p>
-            <a:r>
-              <a:rPr lang="en-US" dirty="0"/>
-              <a:t>They created </a:t>
-            </a:r>
-            <a:r>
-              <a:rPr lang="en-US" dirty="0" err="1"/>
-              <a:t>Ganeti</a:t>
-            </a:r>
-            <a:r>
-              <a:rPr lang="en-US" dirty="0"/>
-              <a:t> a cluster solution that manages </a:t>
-            </a:r>
-            <a:r>
-              <a:rPr lang="en-US" dirty="0" err="1"/>
-              <a:t>xen</a:t>
-            </a:r>
-            <a:r>
-              <a:rPr lang="en-US" dirty="0"/>
-              <a:t> </a:t>
-            </a:r>
-            <a:r>
-              <a:rPr lang="en-US" dirty="0" err="1"/>
-              <a:t>hyoervisors</a:t>
-            </a:r>
-            <a:r>
-              <a:rPr lang="en-US" dirty="0"/>
-              <a:t> to make administrator easier to create clusters</a:t>
-            </a:r>
-          </a:p>
-          <a:p>
-            <a:r>
-              <a:rPr lang="en-US" dirty="0" err="1"/>
-              <a:t>Googel</a:t>
-            </a:r>
-            <a:r>
-              <a:rPr lang="en-US" dirty="0"/>
-              <a:t> logo and </a:t>
-            </a:r>
-            <a:r>
-              <a:rPr lang="en-US"/>
-              <a:t>ganeti</a:t>
-            </a:r>
+            <a:endParaRPr lang="es-ES"/>
           </a:p>
         </p:txBody>
       </p:sp>
     </p:spTree>
     <p:extLst>
       <p:ext uri="{BB962C8B-B14F-4D97-AF65-F5344CB8AC3E}">
-        <p14:creationId xmlns:p14="http://schemas.microsoft.com/office/powerpoint/2010/main" val="2325977518"/>
+        <p14:creationId xmlns:p14="http://schemas.microsoft.com/office/powerpoint/2010/main" val="3663727692"/>
       </p:ext>
     </p:extLst>
   </p:cSld>
